--- a/1lb/from Asma/training/OnShore_Training_Vishal_Bhardwaj.pptx
+++ b/1lb/from Asma/training/OnShore_Training_Vishal_Bhardwaj.pptx
@@ -5,10 +5,10 @@
     <p:sldMasterId id="2147483648" r:id="rId1"/>
   </p:sldMasterIdLst>
   <p:notesMasterIdLst>
-    <p:notesMasterId r:id="rId24"/>
+    <p:notesMasterId r:id="rId22"/>
   </p:notesMasterIdLst>
   <p:handoutMasterIdLst>
-    <p:handoutMasterId r:id="rId25"/>
+    <p:handoutMasterId r:id="rId23"/>
   </p:handoutMasterIdLst>
   <p:sldIdLst>
     <p:sldId id="284" r:id="rId2"/>
@@ -19,52 +19,50 @@
     <p:sldId id="283" r:id="rId7"/>
     <p:sldId id="289" r:id="rId8"/>
     <p:sldId id="290" r:id="rId9"/>
-    <p:sldId id="291" r:id="rId10"/>
-    <p:sldId id="292" r:id="rId11"/>
-    <p:sldId id="298" r:id="rId12"/>
-    <p:sldId id="299" r:id="rId13"/>
-    <p:sldId id="300" r:id="rId14"/>
-    <p:sldId id="301" r:id="rId15"/>
-    <p:sldId id="302" r:id="rId16"/>
-    <p:sldId id="303" r:id="rId17"/>
-    <p:sldId id="304" r:id="rId18"/>
-    <p:sldId id="305" r:id="rId19"/>
-    <p:sldId id="311" r:id="rId20"/>
-    <p:sldId id="309" r:id="rId21"/>
-    <p:sldId id="307" r:id="rId22"/>
-    <p:sldId id="274" r:id="rId23"/>
+    <p:sldId id="302" r:id="rId10"/>
+    <p:sldId id="303" r:id="rId11"/>
+    <p:sldId id="304" r:id="rId12"/>
+    <p:sldId id="305" r:id="rId13"/>
+    <p:sldId id="311" r:id="rId14"/>
+    <p:sldId id="291" r:id="rId15"/>
+    <p:sldId id="292" r:id="rId16"/>
+    <p:sldId id="298" r:id="rId17"/>
+    <p:sldId id="299" r:id="rId18"/>
+    <p:sldId id="300" r:id="rId19"/>
+    <p:sldId id="301" r:id="rId20"/>
+    <p:sldId id="274" r:id="rId21"/>
   </p:sldIdLst>
   <p:sldSz cx="12192000" cy="6858000"/>
   <p:notesSz cx="6858000" cy="9144000"/>
   <p:embeddedFontLst>
     <p:embeddedFont>
-      <p:font typeface="Carnas ExtraLight" panose="02000503000000020004" charset="0"/>
+      <p:font typeface="Carnas ExtraLight" panose="02000503000000020004" pitchFamily="50" charset="0"/>
+      <p:regular r:id="rId24"/>
+      <p:italic r:id="rId25"/>
+    </p:embeddedFont>
+    <p:embeddedFont>
+      <p:font typeface="Carnas Medium" panose="02000603000000020004" pitchFamily="50" charset="0"/>
       <p:regular r:id="rId26"/>
       <p:italic r:id="rId27"/>
     </p:embeddedFont>
     <p:embeddedFont>
-      <p:font typeface="Carnas Medium" panose="02000603000000020004" charset="0"/>
+      <p:font typeface="Carnas" panose="02000503000000020004" pitchFamily="50" charset="0"/>
       <p:regular r:id="rId28"/>
-      <p:italic r:id="rId29"/>
-    </p:embeddedFont>
-    <p:embeddedFont>
-      <p:font typeface="Carnas" panose="020B0604020202020204" charset="0"/>
-      <p:regular r:id="rId30"/>
-      <p:bold r:id="rId31"/>
-      <p:italic r:id="rId32"/>
-      <p:boldItalic r:id="rId33"/>
+      <p:bold r:id="rId29"/>
+      <p:italic r:id="rId30"/>
+      <p:boldItalic r:id="rId31"/>
     </p:embeddedFont>
     <p:embeddedFont>
       <p:font typeface="Calibri" panose="020F0502020204030204" pitchFamily="34" charset="0"/>
-      <p:regular r:id="rId34"/>
-      <p:bold r:id="rId35"/>
-      <p:italic r:id="rId36"/>
-      <p:boldItalic r:id="rId37"/>
+      <p:regular r:id="rId32"/>
+      <p:bold r:id="rId33"/>
+      <p:italic r:id="rId34"/>
+      <p:boldItalic r:id="rId35"/>
     </p:embeddedFont>
     <p:embeddedFont>
-      <p:font typeface="Carnas Light" panose="02000503000000020004" charset="0"/>
-      <p:regular r:id="rId38"/>
-      <p:italic r:id="rId39"/>
+      <p:font typeface="Carnas Light" panose="02000503000000020004" pitchFamily="50" charset="0"/>
+      <p:regular r:id="rId36"/>
+      <p:italic r:id="rId37"/>
     </p:embeddedFont>
   </p:embeddedFontLst>
   <p:defaultTextStyle>
@@ -267,7 +265,7 @@
             <a:fld id="{1A42FB7A-96E9-4B3F-A859-A9B27C058BD2}" type="datetimeFigureOut">
               <a:rPr lang="en-US" smtClean="0"/>
               <a:pPr/>
-              <a:t>3/17/2017</a:t>
+              <a:t>4/5/2017</a:t>
             </a:fld>
             <a:endParaRPr lang="en-US"/>
           </a:p>
@@ -434,7 +432,7 @@
             <a:fld id="{9C3A60C7-6199-4E5F-8DEA-773DC14004E0}" type="datetimeFigureOut">
               <a:rPr lang="en-US" smtClean="0"/>
               <a:pPr/>
-              <a:t>3/17/2017</a:t>
+              <a:t>4/5/2017</a:t>
             </a:fld>
             <a:endParaRPr lang="en-US"/>
           </a:p>
@@ -3309,8 +3307,8 @@
               </a:lnSpc>
             </a:pPr>
             <a:r>
-              <a:rPr lang="en-US" altLang="en-US" dirty="0"/>
-              <a:t>SyneMobile</a:t>
+              <a:rPr lang="en-US" altLang="en-US" dirty="0" err="1"/>
+              <a:t>SyneMobiSafe</a:t>
             </a:r>
             <a:br>
               <a:rPr lang="en-US" altLang="en-US" dirty="0"/>
@@ -3399,8 +3397,12 @@
           <a:lstStyle/>
           <a:p>
             <a:r>
+              <a:rPr lang="en-US" altLang="en-US" b="1" dirty="0" err="1"/>
+              <a:t>SyneMobiSafe</a:t>
+            </a:r>
+            <a:r>
               <a:rPr lang="en-US" altLang="en-US" b="1" dirty="0"/>
-              <a:t>Concept of Distributed System</a:t>
+              <a:t> Modules</a:t>
             </a:r>
             <a:endParaRPr lang="en-US" dirty="0"/>
           </a:p>
@@ -3451,26 +3453,94 @@
           <a:lstStyle/>
           <a:p>
             <a:pPr>
-              <a:lnSpc>
-                <a:spcPct val="200000"/>
-              </a:lnSpc>
-              <a:defRPr/>
-            </a:pPr>
-            <a:r>
-              <a:rPr lang="en-US" altLang="en-US" sz="2400" dirty="0"/>
-              <a:t>Distributed System Architecture</a:t>
-            </a:r>
+              <a:buFont typeface="Arial" charset="0"/>
+              <a:buChar char="•"/>
+              <a:defRPr/>
+            </a:pPr>
+            <a:r>
+              <a:rPr lang="en-US" sz="2400" dirty="0"/>
+              <a:t>Cloud Data Backup Module</a:t>
+            </a:r>
+          </a:p>
+          <a:p>
+            <a:pPr lvl="1">
+              <a:lnSpc>
+                <a:spcPct val="150000"/>
+              </a:lnSpc>
+              <a:defRPr/>
+            </a:pPr>
+            <a:r>
+              <a:rPr lang="en-US" sz="1600" dirty="0"/>
+              <a:t>Importance of Cloud services</a:t>
+            </a:r>
+          </a:p>
+          <a:p>
+            <a:pPr lvl="1">
+              <a:lnSpc>
+                <a:spcPct val="150000"/>
+              </a:lnSpc>
+              <a:defRPr/>
+            </a:pPr>
+            <a:r>
+              <a:rPr lang="en-US" sz="1600" dirty="0"/>
+              <a:t>Algorithm used for auto backup </a:t>
+            </a:r>
+          </a:p>
+          <a:p>
+            <a:pPr lvl="1">
+              <a:lnSpc>
+                <a:spcPct val="150000"/>
+              </a:lnSpc>
+              <a:defRPr/>
+            </a:pPr>
+            <a:r>
+              <a:rPr lang="en-US" sz="1600" dirty="0"/>
+              <a:t>Secured and encrypted stream usage for data backup</a:t>
+            </a:r>
+          </a:p>
+          <a:p>
+            <a:pPr lvl="1">
+              <a:lnSpc>
+                <a:spcPct val="150000"/>
+              </a:lnSpc>
+              <a:defRPr/>
+            </a:pPr>
+            <a:r>
+              <a:rPr lang="en-US" sz="1600" dirty="0"/>
+              <a:t>User Configuration options</a:t>
+            </a:r>
+          </a:p>
+          <a:p>
+            <a:pPr lvl="1">
+              <a:lnSpc>
+                <a:spcPct val="110000"/>
+              </a:lnSpc>
+              <a:buNone/>
+              <a:defRPr/>
+            </a:pPr>
+            <a:endParaRPr lang="en-US" altLang="en-US" sz="2000" dirty="0"/>
           </a:p>
           <a:p>
             <a:pPr>
+              <a:buFont typeface="Arial" charset="0"/>
+              <a:buChar char="•"/>
+              <a:defRPr/>
+            </a:pPr>
+            <a:r>
+              <a:rPr lang="en-US" sz="2400" dirty="0"/>
+              <a:t>Device Recovery Module</a:t>
+            </a:r>
+          </a:p>
+          <a:p>
+            <a:pPr lvl="1">
               <a:lnSpc>
                 <a:spcPct val="150000"/>
               </a:lnSpc>
               <a:defRPr/>
             </a:pPr>
             <a:r>
-              <a:rPr lang="en-US" altLang="en-US" sz="2400" dirty="0"/>
-              <a:t>Configuration</a:t>
+              <a:rPr lang="en-US" altLang="en-US" sz="1600" dirty="0"/>
+              <a:t>Why device recovery is necessary</a:t>
             </a:r>
           </a:p>
           <a:p>
@@ -3482,7 +3552,7 @@
             </a:pPr>
             <a:r>
               <a:rPr lang="en-US" altLang="en-US" sz="1600" dirty="0"/>
-              <a:t>Load balancer</a:t>
+              <a:t>Functions and services provided under the module.</a:t>
             </a:r>
           </a:p>
           <a:p>
@@ -3492,99 +3562,14 @@
               </a:lnSpc>
               <a:defRPr/>
             </a:pPr>
-            <a:r>
-              <a:rPr lang="en-US" altLang="en-US" sz="1600" dirty="0"/>
-              <a:t>Cache Server</a:t>
-            </a:r>
-          </a:p>
-          <a:p>
-            <a:pPr lvl="1">
-              <a:lnSpc>
-                <a:spcPct val="150000"/>
-              </a:lnSpc>
-              <a:defRPr/>
-            </a:pPr>
-            <a:r>
-              <a:rPr lang="en-US" altLang="en-US" sz="1600" dirty="0"/>
-              <a:t>Database Replication</a:t>
-            </a:r>
-          </a:p>
-          <a:p>
-            <a:pPr lvl="1">
-              <a:lnSpc>
-                <a:spcPct val="150000"/>
-              </a:lnSpc>
-              <a:defRPr/>
-            </a:pPr>
             <a:endParaRPr lang="en-US" altLang="en-US" sz="1600" dirty="0"/>
-          </a:p>
-          <a:p>
-            <a:pPr>
-              <a:defRPr/>
-            </a:pPr>
-            <a:r>
-              <a:rPr lang="en-US" altLang="en-US" sz="2400" dirty="0"/>
-              <a:t>Deployment in Distributed Environments</a:t>
-            </a:r>
-          </a:p>
-          <a:p>
-            <a:pPr lvl="1">
-              <a:lnSpc>
-                <a:spcPct val="150000"/>
-              </a:lnSpc>
-              <a:defRPr/>
-            </a:pPr>
-            <a:r>
-              <a:rPr lang="en-US" altLang="en-US" sz="1600" dirty="0"/>
-              <a:t>Requirements</a:t>
-            </a:r>
-          </a:p>
-          <a:p>
-            <a:pPr lvl="1">
-              <a:lnSpc>
-                <a:spcPct val="150000"/>
-              </a:lnSpc>
-              <a:defRPr/>
-            </a:pPr>
-            <a:r>
-              <a:rPr lang="en-US" altLang="en-US" sz="1600" dirty="0"/>
-              <a:t>Challenges</a:t>
-            </a:r>
-          </a:p>
-          <a:p>
-            <a:pPr>
-              <a:lnSpc>
-                <a:spcPct val="200000"/>
-              </a:lnSpc>
-              <a:defRPr/>
-            </a:pPr>
-            <a:r>
-              <a:rPr lang="en-US" altLang="en-US" sz="2400" dirty="0"/>
-              <a:t>Benefits of Distributed System</a:t>
-            </a:r>
-          </a:p>
-          <a:p>
-            <a:pPr lvl="1">
-              <a:lnSpc>
-                <a:spcPct val="110000"/>
-              </a:lnSpc>
-              <a:buNone/>
-              <a:defRPr/>
-            </a:pPr>
-            <a:endParaRPr lang="en-US" altLang="en-US" sz="2000" dirty="0"/>
-          </a:p>
-          <a:p>
-            <a:pPr>
-              <a:defRPr/>
-            </a:pPr>
-            <a:endParaRPr lang="en-US" altLang="en-US" sz="2400" dirty="0"/>
           </a:p>
         </p:txBody>
       </p:sp>
     </p:spTree>
     <p:extLst>
       <p:ext uri="{BB962C8B-B14F-4D97-AF65-F5344CB8AC3E}">
-        <p14:creationId xmlns:p14="http://schemas.microsoft.com/office/powerpoint/2010/main" val="3671265436"/>
+        <p14:creationId xmlns:p14="http://schemas.microsoft.com/office/powerpoint/2010/main" val="2589858331"/>
       </p:ext>
     </p:extLst>
   </p:cSld>
@@ -3627,8 +3612,12 @@
           <a:lstStyle/>
           <a:p>
             <a:r>
+              <a:rPr lang="en-US" altLang="en-US" b="1" dirty="0" err="1"/>
+              <a:t>SyneMobiSafe</a:t>
+            </a:r>
+            <a:r>
               <a:rPr lang="en-US" altLang="en-US" b="1" dirty="0"/>
-              <a:t>SyneMobile Guidelines</a:t>
+              <a:t> Modules</a:t>
             </a:r>
             <a:endParaRPr lang="en-US" dirty="0"/>
           </a:p>
@@ -3678,75 +3667,90 @@
           <a:bodyPr/>
           <a:lstStyle/>
           <a:p>
-            <a:pPr>
-              <a:lnSpc>
-                <a:spcPct val="200000"/>
-              </a:lnSpc>
-              <a:defRPr/>
-            </a:pPr>
             <a:r>
               <a:rPr lang="en-US" altLang="en-US" sz="2400" dirty="0"/>
-              <a:t>Template Code Generation for Common Functionalities</a:t>
-            </a:r>
-          </a:p>
-          <a:p>
-            <a:pPr>
-              <a:lnSpc>
-                <a:spcPct val="200000"/>
-              </a:lnSpc>
-              <a:defRPr/>
-            </a:pPr>
+              <a:t>Device Protection and Security Module</a:t>
+            </a:r>
+          </a:p>
+          <a:p>
+            <a:pPr lvl="1">
+              <a:lnSpc>
+                <a:spcPct val="150000"/>
+              </a:lnSpc>
+              <a:defRPr/>
+            </a:pPr>
+            <a:r>
+              <a:rPr lang="en-US" altLang="en-US" sz="1600" dirty="0"/>
+              <a:t>Advantages of the module</a:t>
+            </a:r>
+          </a:p>
+          <a:p>
+            <a:pPr lvl="1">
+              <a:lnSpc>
+                <a:spcPct val="150000"/>
+              </a:lnSpc>
+              <a:defRPr/>
+            </a:pPr>
+            <a:r>
+              <a:rPr lang="en-US" altLang="en-US" sz="1600" dirty="0"/>
+              <a:t>Risk management against vulnerabilities</a:t>
+            </a:r>
+          </a:p>
+          <a:p>
+            <a:pPr lvl="1">
+              <a:lnSpc>
+                <a:spcPct val="150000"/>
+              </a:lnSpc>
+              <a:defRPr/>
+            </a:pPr>
+            <a:r>
+              <a:rPr lang="en-US" altLang="en-US" sz="1600" dirty="0"/>
+              <a:t>Security measures and criteria</a:t>
+            </a:r>
+          </a:p>
+          <a:p>
+            <a:pPr lvl="1">
+              <a:lnSpc>
+                <a:spcPct val="150000"/>
+              </a:lnSpc>
+              <a:defRPr/>
+            </a:pPr>
+            <a:r>
+              <a:rPr lang="en-US" altLang="en-US" sz="1600" dirty="0"/>
+              <a:t>Other services</a:t>
+            </a:r>
+          </a:p>
+          <a:p>
+            <a:endParaRPr lang="en-US" altLang="en-US" sz="2400" dirty="0"/>
+          </a:p>
+          <a:p>
             <a:r>
               <a:rPr lang="en-US" altLang="en-US" sz="2400" dirty="0"/>
-              <a:t>Encourages user to develop application as per best practices</a:t>
-            </a:r>
-          </a:p>
-          <a:p>
-            <a:pPr>
-              <a:lnSpc>
-                <a:spcPct val="200000"/>
-              </a:lnSpc>
-              <a:defRPr/>
-            </a:pPr>
-            <a:r>
-              <a:rPr lang="en-US" altLang="en-US" sz="2400" dirty="0"/>
-              <a:t>Important factors to achieve application responsiveness </a:t>
-            </a:r>
-          </a:p>
-          <a:p>
-            <a:pPr>
-              <a:lnSpc>
-                <a:spcPct val="200000"/>
-              </a:lnSpc>
-              <a:defRPr/>
-            </a:pPr>
-            <a:r>
-              <a:rPr lang="en-US" altLang="en-US" sz="2400" dirty="0"/>
-              <a:t>Code reusability</a:t>
-            </a:r>
-          </a:p>
-          <a:p>
-            <a:pPr>
-              <a:lnSpc>
-                <a:spcPct val="200000"/>
-              </a:lnSpc>
-              <a:defRPr/>
-            </a:pPr>
-            <a:r>
-              <a:rPr lang="en-US" altLang="en-US" sz="2400" dirty="0"/>
-              <a:t>Follow naming convention</a:t>
-            </a:r>
-          </a:p>
-          <a:p>
-            <a:pPr>
-              <a:lnSpc>
-                <a:spcPct val="200000"/>
-              </a:lnSpc>
-              <a:defRPr/>
-            </a:pPr>
-            <a:r>
-              <a:rPr lang="en-US" altLang="en-US" sz="2400" dirty="0"/>
-              <a:t>Unit Test Cases Support</a:t>
+              <a:t>Device Health Monitoring Module</a:t>
+            </a:r>
+          </a:p>
+          <a:p>
+            <a:pPr lvl="1">
+              <a:lnSpc>
+                <a:spcPct val="150000"/>
+              </a:lnSpc>
+              <a:defRPr/>
+            </a:pPr>
+            <a:r>
+              <a:rPr lang="en-US" altLang="en-US" sz="1600" dirty="0"/>
+              <a:t>Benefits of the module</a:t>
+            </a:r>
+          </a:p>
+          <a:p>
+            <a:pPr lvl="1">
+              <a:lnSpc>
+                <a:spcPct val="150000"/>
+              </a:lnSpc>
+              <a:defRPr/>
+            </a:pPr>
+            <a:r>
+              <a:rPr lang="en-US" altLang="en-US" sz="1600" dirty="0"/>
+              <a:t>Algorithm Implementation for device performance</a:t>
             </a:r>
           </a:p>
         </p:txBody>
@@ -3754,7 +3758,7 @@
     </p:spTree>
     <p:extLst>
       <p:ext uri="{BB962C8B-B14F-4D97-AF65-F5344CB8AC3E}">
-        <p14:creationId xmlns:p14="http://schemas.microsoft.com/office/powerpoint/2010/main" val="3568414079"/>
+        <p14:creationId xmlns:p14="http://schemas.microsoft.com/office/powerpoint/2010/main" val="73651082"/>
       </p:ext>
     </p:extLst>
   </p:cSld>
@@ -3783,35 +3787,206 @@
       </p:grpSpPr>
       <p:sp>
         <p:nvSpPr>
-          <p:cNvPr id="3" name="Title 2"/>
-          <p:cNvSpPr>
-            <a:spLocks noGrp="1"/>
-          </p:cNvSpPr>
-          <p:nvPr>
-            <p:ph type="title"/>
-          </p:nvPr>
-        </p:nvSpPr>
-        <p:spPr>
-          <a:xfrm>
-            <a:off x="0" y="2733415"/>
-            <a:ext cx="12192000" cy="873418"/>
-          </a:xfrm>
-        </p:spPr>
+          <p:cNvPr id="14" name="Content Placeholder 1"/>
+          <p:cNvSpPr>
+            <a:spLocks noGrp="1"/>
+          </p:cNvSpPr>
+          <p:nvPr>
+            <p:ph sz="quarter" idx="10"/>
+          </p:nvPr>
+        </p:nvSpPr>
+        <p:spPr/>
         <p:txBody>
           <a:bodyPr/>
           <a:lstStyle/>
           <a:p>
             <a:r>
-              <a:rPr lang="en-US" altLang="en-US" dirty="0"/>
-              <a:t>Configuration and Troubleshooting</a:t>
-            </a:r>
+              <a:rPr lang="en-US" altLang="en-US" b="1" dirty="0" err="1"/>
+              <a:t>SyneMobiSafe</a:t>
+            </a:r>
+            <a:r>
+              <a:rPr lang="en-US" altLang="en-US" b="1" dirty="0"/>
+              <a:t> Modules</a:t>
+            </a:r>
+            <a:endParaRPr lang="en-US" dirty="0"/>
+          </a:p>
+        </p:txBody>
+      </p:sp>
+      <p:sp>
+        <p:nvSpPr>
+          <p:cNvPr id="4" name="Slide Number Placeholder 3"/>
+          <p:cNvSpPr>
+            <a:spLocks noGrp="1"/>
+          </p:cNvSpPr>
+          <p:nvPr>
+            <p:ph type="sldNum" sz="quarter" idx="4"/>
+          </p:nvPr>
+        </p:nvSpPr>
+        <p:spPr/>
+        <p:txBody>
+          <a:bodyPr/>
+          <a:lstStyle/>
+          <a:p>
+            <a:fld id="{7591F48A-A635-4EA2-8E7E-325C9425C81C}" type="slidenum">
+              <a:rPr lang="en-US" smtClean="0"/>
+              <a:pPr/>
+              <a:t>12</a:t>
+            </a:fld>
+            <a:endParaRPr lang="en-US" dirty="0"/>
+          </a:p>
+        </p:txBody>
+      </p:sp>
+      <p:sp>
+        <p:nvSpPr>
+          <p:cNvPr id="2" name="Text Placeholder 1"/>
+          <p:cNvSpPr>
+            <a:spLocks noGrp="1"/>
+          </p:cNvSpPr>
+          <p:nvPr>
+            <p:ph type="body" sz="quarter" idx="12"/>
+          </p:nvPr>
+        </p:nvSpPr>
+        <p:spPr>
+          <a:xfrm>
+            <a:off x="1572737" y="1108345"/>
+            <a:ext cx="10189282" cy="2258680"/>
+          </a:xfrm>
+        </p:spPr>
+        <p:txBody>
+          <a:bodyPr/>
+          <a:lstStyle/>
+          <a:p>
+            <a:r>
+              <a:rPr lang="en-US" altLang="en-US" sz="2400" dirty="0"/>
+              <a:t>Advance Tech Support and Live Chat Module</a:t>
+            </a:r>
+          </a:p>
+          <a:p>
+            <a:pPr lvl="1">
+              <a:lnSpc>
+                <a:spcPct val="150000"/>
+              </a:lnSpc>
+              <a:defRPr/>
+            </a:pPr>
+            <a:r>
+              <a:rPr lang="en-US" altLang="en-US" sz="1600" dirty="0"/>
+              <a:t>Overview and implementation of the module</a:t>
+            </a:r>
+          </a:p>
+          <a:p>
+            <a:pPr lvl="1">
+              <a:lnSpc>
+                <a:spcPct val="150000"/>
+              </a:lnSpc>
+              <a:defRPr/>
+            </a:pPr>
+            <a:r>
+              <a:rPr lang="en-US" altLang="en-US" sz="1600" dirty="0"/>
+              <a:t>End to end support process</a:t>
+            </a:r>
+          </a:p>
+          <a:p>
+            <a:pPr lvl="1">
+              <a:lnSpc>
+                <a:spcPct val="150000"/>
+              </a:lnSpc>
+              <a:defRPr/>
+            </a:pPr>
+            <a:r>
+              <a:rPr lang="en-US" altLang="en-US" sz="1600" dirty="0"/>
+              <a:t>Categorized support options</a:t>
+            </a:r>
+          </a:p>
+          <a:p>
+            <a:pPr lvl="1">
+              <a:lnSpc>
+                <a:spcPct val="150000"/>
+              </a:lnSpc>
+              <a:defRPr/>
+            </a:pPr>
+            <a:r>
+              <a:rPr lang="en-US" altLang="en-US" sz="1600" dirty="0"/>
+              <a:t>Live Chat features and options</a:t>
+            </a:r>
+          </a:p>
+          <a:p>
+            <a:pPr lvl="1">
+              <a:lnSpc>
+                <a:spcPct val="150000"/>
+              </a:lnSpc>
+              <a:defRPr/>
+            </a:pPr>
+            <a:endParaRPr lang="en-US" altLang="en-US" sz="1600" dirty="0"/>
+          </a:p>
+          <a:p>
+            <a:r>
+              <a:rPr lang="en-US" altLang="en-US" sz="2400" dirty="0"/>
+              <a:t>Telemetry and Data Analysis Module</a:t>
+            </a:r>
+          </a:p>
+          <a:p>
+            <a:pPr lvl="1">
+              <a:lnSpc>
+                <a:spcPct val="150000"/>
+              </a:lnSpc>
+              <a:defRPr/>
+            </a:pPr>
+            <a:r>
+              <a:rPr lang="en-US" sz="1600" dirty="0"/>
+              <a:t>Importance of Effective Data Analysis </a:t>
+            </a:r>
+          </a:p>
+          <a:p>
+            <a:pPr lvl="1">
+              <a:lnSpc>
+                <a:spcPct val="150000"/>
+              </a:lnSpc>
+              <a:defRPr/>
+            </a:pPr>
+            <a:r>
+              <a:rPr lang="en-US" sz="1600" dirty="0"/>
+              <a:t>Measuring real time user experience</a:t>
+            </a:r>
+          </a:p>
+          <a:p>
+            <a:pPr lvl="1">
+              <a:lnSpc>
+                <a:spcPct val="150000"/>
+              </a:lnSpc>
+              <a:defRPr/>
+            </a:pPr>
+            <a:r>
+              <a:rPr lang="en-US" sz="1600" dirty="0"/>
+              <a:t>Personalized Engagement</a:t>
+            </a:r>
+          </a:p>
+          <a:p>
+            <a:pPr lvl="1">
+              <a:lnSpc>
+                <a:spcPct val="150000"/>
+              </a:lnSpc>
+              <a:defRPr/>
+            </a:pPr>
+            <a:r>
+              <a:rPr lang="en-US" sz="1600" dirty="0"/>
+              <a:t>User Configurable options for report generation</a:t>
+            </a:r>
+          </a:p>
+          <a:p>
+            <a:pPr lvl="1">
+              <a:lnSpc>
+                <a:spcPct val="150000"/>
+              </a:lnSpc>
+              <a:defRPr/>
+            </a:pPr>
+            <a:endParaRPr lang="en-US" altLang="en-US" sz="1600" dirty="0"/>
           </a:p>
         </p:txBody>
       </p:sp>
     </p:spTree>
     <p:extLst>
       <p:ext uri="{BB962C8B-B14F-4D97-AF65-F5344CB8AC3E}">
-        <p14:creationId xmlns:p14="http://schemas.microsoft.com/office/powerpoint/2010/main" val="3567720219"/>
+        <p14:creationId xmlns:p14="http://schemas.microsoft.com/office/powerpoint/2010/main" val="740182162"/>
       </p:ext>
     </p:extLst>
   </p:cSld>
@@ -3854,8 +4029,12 @@
           <a:lstStyle/>
           <a:p>
             <a:r>
+              <a:rPr lang="en-US" altLang="en-US" b="1" dirty="0" err="1"/>
+              <a:t>SyneMobiSafe</a:t>
+            </a:r>
+            <a:r>
               <a:rPr lang="en-US" altLang="en-US" b="1" dirty="0"/>
-              <a:t>SyneMobile Configuration</a:t>
+              <a:t> Modules</a:t>
             </a:r>
             <a:endParaRPr lang="en-US" dirty="0"/>
           </a:p>
@@ -3905,15 +4084,9 @@
           <a:bodyPr/>
           <a:lstStyle/>
           <a:p>
-            <a:pPr>
-              <a:lnSpc>
-                <a:spcPct val="200000"/>
-              </a:lnSpc>
-              <a:defRPr/>
-            </a:pPr>
             <a:r>
               <a:rPr lang="en-US" altLang="en-US" sz="2400" dirty="0"/>
-              <a:t>Configuration Options</a:t>
+              <a:t>KIA Module</a:t>
             </a:r>
           </a:p>
           <a:p>
@@ -3925,7 +4098,7 @@
             </a:pPr>
             <a:r>
               <a:rPr lang="en-US" altLang="en-US" sz="1600" dirty="0"/>
-              <a:t>Database Level Configuration </a:t>
+              <a:t>Knowledge based module</a:t>
             </a:r>
           </a:p>
           <a:p>
@@ -3937,7 +4110,7 @@
             </a:pPr>
             <a:r>
               <a:rPr lang="en-US" altLang="en-US" sz="1600" dirty="0"/>
-              <a:t>Build process configuration to deploy over Dev and QA environments</a:t>
+              <a:t>Value added feature</a:t>
             </a:r>
           </a:p>
           <a:p>
@@ -3949,7 +4122,7 @@
             </a:pPr>
             <a:r>
               <a:rPr lang="en-US" altLang="en-US" sz="1600" dirty="0"/>
-              <a:t>App server configuration</a:t>
+              <a:t>Search functionality</a:t>
             </a:r>
           </a:p>
           <a:p>
@@ -3961,7 +4134,7 @@
             </a:pPr>
             <a:r>
               <a:rPr lang="en-US" altLang="en-US" sz="1600" dirty="0"/>
-              <a:t>Pre-requisites before deployment over production environment</a:t>
+              <a:t>Implementation and algorithm used</a:t>
             </a:r>
           </a:p>
           <a:p>
@@ -3971,23 +4144,7 @@
               </a:lnSpc>
               <a:defRPr/>
             </a:pPr>
-            <a:r>
-              <a:rPr lang="en-US" altLang="en-US" sz="1600" dirty="0"/>
-              <a:t>Setup and customize tools for automated build process</a:t>
-            </a:r>
-          </a:p>
-          <a:p>
-            <a:pPr>
-              <a:lnSpc>
-                <a:spcPct val="200000"/>
-              </a:lnSpc>
-              <a:defRPr/>
-            </a:pPr>
-            <a:r>
-              <a:rPr lang="en-US" altLang="en-US" sz="2400" dirty="0"/>
-              <a:t>Application Static and Dynamic Configuration</a:t>
-            </a:r>
-            <a:endParaRPr lang="en-US" altLang="en-US" sz="2000" dirty="0"/>
+            <a:endParaRPr lang="en-US" altLang="en-US" sz="1600" dirty="0"/>
           </a:p>
           <a:p>
             <a:pPr lvl="1">
@@ -3996,29 +4153,14 @@
               </a:lnSpc>
               <a:defRPr/>
             </a:pPr>
-            <a:r>
-              <a:rPr lang="en-US" altLang="en-US" sz="1600" dirty="0"/>
-              <a:t>Static configuration which cannot be changed at run-time (e.g. DB configuration)</a:t>
-            </a:r>
-          </a:p>
-          <a:p>
-            <a:pPr lvl="1">
-              <a:lnSpc>
-                <a:spcPct val="150000"/>
-              </a:lnSpc>
-              <a:defRPr/>
-            </a:pPr>
-            <a:r>
-              <a:rPr lang="en-US" altLang="en-US" sz="1600" dirty="0"/>
-              <a:t>Dynamic configuration which can be changed at run-time without restarting the application (e.g. log level)</a:t>
-            </a:r>
+            <a:endParaRPr lang="en-US" altLang="en-US" sz="1600" dirty="0"/>
           </a:p>
         </p:txBody>
       </p:sp>
     </p:spTree>
     <p:extLst>
       <p:ext uri="{BB962C8B-B14F-4D97-AF65-F5344CB8AC3E}">
-        <p14:creationId xmlns:p14="http://schemas.microsoft.com/office/powerpoint/2010/main" val="2627885345"/>
+        <p14:creationId xmlns:p14="http://schemas.microsoft.com/office/powerpoint/2010/main" val="568779040"/>
       </p:ext>
     </p:extLst>
   </p:cSld>
@@ -4047,193 +4189,35 @@
       </p:grpSpPr>
       <p:sp>
         <p:nvSpPr>
-          <p:cNvPr id="14" name="Content Placeholder 1"/>
-          <p:cNvSpPr>
-            <a:spLocks noGrp="1"/>
-          </p:cNvSpPr>
-          <p:nvPr>
-            <p:ph sz="quarter" idx="10"/>
-          </p:nvPr>
-        </p:nvSpPr>
-        <p:spPr/>
+          <p:cNvPr id="3" name="Title 2"/>
+          <p:cNvSpPr>
+            <a:spLocks noGrp="1"/>
+          </p:cNvSpPr>
+          <p:nvPr>
+            <p:ph type="title"/>
+          </p:nvPr>
+        </p:nvSpPr>
+        <p:spPr>
+          <a:xfrm>
+            <a:off x="0" y="2733415"/>
+            <a:ext cx="12192000" cy="873418"/>
+          </a:xfrm>
+        </p:spPr>
         <p:txBody>
           <a:bodyPr/>
           <a:lstStyle/>
           <a:p>
             <a:r>
-              <a:rPr lang="en-US" altLang="en-US" b="1" dirty="0"/>
-              <a:t>SyneMobile Trouble Shooting</a:t>
-            </a:r>
-            <a:endParaRPr lang="en-US" dirty="0"/>
-          </a:p>
-        </p:txBody>
-      </p:sp>
-      <p:sp>
-        <p:nvSpPr>
-          <p:cNvPr id="4" name="Slide Number Placeholder 3"/>
-          <p:cNvSpPr>
-            <a:spLocks noGrp="1"/>
-          </p:cNvSpPr>
-          <p:nvPr>
-            <p:ph type="sldNum" sz="quarter" idx="4"/>
-          </p:nvPr>
-        </p:nvSpPr>
-        <p:spPr/>
-        <p:txBody>
-          <a:bodyPr/>
-          <a:lstStyle/>
-          <a:p>
-            <a:fld id="{7591F48A-A635-4EA2-8E7E-325C9425C81C}" type="slidenum">
-              <a:rPr lang="en-US" smtClean="0"/>
-              <a:pPr/>
-              <a:t>14</a:t>
-            </a:fld>
-            <a:endParaRPr lang="en-US" dirty="0"/>
-          </a:p>
-        </p:txBody>
-      </p:sp>
-      <p:sp>
-        <p:nvSpPr>
-          <p:cNvPr id="2" name="Text Placeholder 1"/>
-          <p:cNvSpPr>
-            <a:spLocks noGrp="1"/>
-          </p:cNvSpPr>
-          <p:nvPr>
-            <p:ph type="body" sz="quarter" idx="12"/>
-          </p:nvPr>
-        </p:nvSpPr>
-        <p:spPr>
-          <a:xfrm>
-            <a:off x="1572737" y="1108345"/>
-            <a:ext cx="10189282" cy="2258680"/>
-          </a:xfrm>
-        </p:spPr>
-        <p:txBody>
-          <a:bodyPr/>
-          <a:lstStyle/>
-          <a:p>
-            <a:pPr>
-              <a:lnSpc>
-                <a:spcPct val="200000"/>
-              </a:lnSpc>
-            </a:pPr>
-            <a:r>
-              <a:rPr lang="en-US" altLang="en-US" sz="2400" dirty="0"/>
-              <a:t>Logging </a:t>
-            </a:r>
-            <a:endParaRPr lang="en-US" altLang="en-US" sz="1600" dirty="0"/>
-          </a:p>
-          <a:p>
-            <a:pPr lvl="1">
-              <a:lnSpc>
-                <a:spcPct val="150000"/>
-              </a:lnSpc>
-              <a:defRPr/>
-            </a:pPr>
-            <a:r>
-              <a:rPr lang="en-US" altLang="en-US" sz="1600" dirty="0"/>
-              <a:t>Enable/disable logging</a:t>
-            </a:r>
-          </a:p>
-          <a:p>
-            <a:pPr lvl="1">
-              <a:lnSpc>
-                <a:spcPct val="150000"/>
-              </a:lnSpc>
-              <a:defRPr/>
-            </a:pPr>
-            <a:r>
-              <a:rPr lang="en-US" altLang="en-US" sz="1600" dirty="0"/>
-              <a:t>Log Monitoring and Analysis</a:t>
-            </a:r>
-          </a:p>
-          <a:p>
-            <a:pPr lvl="1">
-              <a:lnSpc>
-                <a:spcPct val="150000"/>
-              </a:lnSpc>
-              <a:defRPr/>
-            </a:pPr>
-            <a:r>
-              <a:rPr lang="en-US" altLang="en-US" sz="1600" dirty="0"/>
-              <a:t>Log deletion, rolling and archiving options</a:t>
-            </a:r>
-          </a:p>
-          <a:p>
-            <a:pPr>
-              <a:lnSpc>
-                <a:spcPct val="200000"/>
-              </a:lnSpc>
-            </a:pPr>
-            <a:r>
-              <a:rPr lang="en-US" altLang="en-US" sz="2400" dirty="0"/>
-              <a:t>Application Error Codes</a:t>
-            </a:r>
-            <a:endParaRPr lang="en-US" altLang="en-US" sz="2000" dirty="0"/>
-          </a:p>
-          <a:p>
-            <a:pPr lvl="1">
-              <a:lnSpc>
-                <a:spcPct val="150000"/>
-              </a:lnSpc>
-              <a:defRPr/>
-            </a:pPr>
-            <a:r>
-              <a:rPr lang="en-US" altLang="en-US" sz="1600" dirty="0"/>
-              <a:t>Error Codes, Description and Resolution</a:t>
-            </a:r>
-          </a:p>
-          <a:p>
-            <a:pPr lvl="1">
-              <a:lnSpc>
-                <a:spcPct val="150000"/>
-              </a:lnSpc>
-              <a:defRPr/>
-            </a:pPr>
-            <a:r>
-              <a:rPr lang="en-US" altLang="en-US" sz="1600" dirty="0"/>
-              <a:t>Steps to identify and trouble shoot common issues</a:t>
-            </a:r>
-          </a:p>
-          <a:p>
-            <a:pPr>
-              <a:lnSpc>
-                <a:spcPct val="200000"/>
-              </a:lnSpc>
-            </a:pPr>
-            <a:r>
-              <a:rPr lang="en-US" altLang="en-US" sz="2400" dirty="0"/>
-              <a:t>Debugging</a:t>
-            </a:r>
-            <a:endParaRPr lang="en-US" altLang="en-US" sz="2000" dirty="0"/>
-          </a:p>
-          <a:p>
-            <a:pPr lvl="1">
-              <a:lnSpc>
-                <a:spcPct val="150000"/>
-              </a:lnSpc>
-              <a:defRPr/>
-            </a:pPr>
-            <a:r>
-              <a:rPr lang="en-US" altLang="en-US" sz="1600" dirty="0"/>
-              <a:t>Debug process; attaching to debugger process; adding breakpoints and execution</a:t>
-            </a:r>
-          </a:p>
-          <a:p>
-            <a:pPr lvl="1">
-              <a:lnSpc>
-                <a:spcPct val="150000"/>
-              </a:lnSpc>
-              <a:defRPr/>
-            </a:pPr>
-            <a:endParaRPr lang="en-US" altLang="en-US" sz="1600" dirty="0"/>
+              <a:rPr lang="en-US" altLang="en-US" dirty="0"/>
+              <a:t>Distributed System</a:t>
+            </a:r>
           </a:p>
         </p:txBody>
       </p:sp>
     </p:spTree>
     <p:extLst>
       <p:ext uri="{BB962C8B-B14F-4D97-AF65-F5344CB8AC3E}">
-        <p14:creationId xmlns:p14="http://schemas.microsoft.com/office/powerpoint/2010/main" val="1384741718"/>
+        <p14:creationId xmlns:p14="http://schemas.microsoft.com/office/powerpoint/2010/main" val="542552310"/>
       </p:ext>
     </p:extLst>
   </p:cSld>
@@ -4262,35 +4246,206 @@
       </p:grpSpPr>
       <p:sp>
         <p:nvSpPr>
-          <p:cNvPr id="3" name="Title 2"/>
-          <p:cNvSpPr>
-            <a:spLocks noGrp="1"/>
-          </p:cNvSpPr>
-          <p:nvPr>
-            <p:ph type="title"/>
-          </p:nvPr>
-        </p:nvSpPr>
-        <p:spPr>
-          <a:xfrm>
-            <a:off x="0" y="2733415"/>
-            <a:ext cx="12192000" cy="873418"/>
-          </a:xfrm>
-        </p:spPr>
+          <p:cNvPr id="14" name="Content Placeholder 1"/>
+          <p:cNvSpPr>
+            <a:spLocks noGrp="1"/>
+          </p:cNvSpPr>
+          <p:nvPr>
+            <p:ph sz="quarter" idx="10"/>
+          </p:nvPr>
+        </p:nvSpPr>
+        <p:spPr/>
         <p:txBody>
           <a:bodyPr/>
           <a:lstStyle/>
           <a:p>
             <a:r>
-              <a:rPr lang="en-US" altLang="en-US" dirty="0"/>
-              <a:t>SyneMobile Modules Overview</a:t>
-            </a:r>
+              <a:rPr lang="en-US" altLang="en-US" b="1" dirty="0"/>
+              <a:t>Concept of Distributed System</a:t>
+            </a:r>
+            <a:endParaRPr lang="en-US" dirty="0"/>
+          </a:p>
+        </p:txBody>
+      </p:sp>
+      <p:sp>
+        <p:nvSpPr>
+          <p:cNvPr id="4" name="Slide Number Placeholder 3"/>
+          <p:cNvSpPr>
+            <a:spLocks noGrp="1"/>
+          </p:cNvSpPr>
+          <p:nvPr>
+            <p:ph type="sldNum" sz="quarter" idx="4"/>
+          </p:nvPr>
+        </p:nvSpPr>
+        <p:spPr/>
+        <p:txBody>
+          <a:bodyPr/>
+          <a:lstStyle/>
+          <a:p>
+            <a:fld id="{7591F48A-A635-4EA2-8E7E-325C9425C81C}" type="slidenum">
+              <a:rPr lang="en-US" smtClean="0"/>
+              <a:pPr/>
+              <a:t>15</a:t>
+            </a:fld>
+            <a:endParaRPr lang="en-US" dirty="0"/>
+          </a:p>
+        </p:txBody>
+      </p:sp>
+      <p:sp>
+        <p:nvSpPr>
+          <p:cNvPr id="2" name="Text Placeholder 1"/>
+          <p:cNvSpPr>
+            <a:spLocks noGrp="1"/>
+          </p:cNvSpPr>
+          <p:nvPr>
+            <p:ph type="body" sz="quarter" idx="12"/>
+          </p:nvPr>
+        </p:nvSpPr>
+        <p:spPr>
+          <a:xfrm>
+            <a:off x="1572737" y="1108345"/>
+            <a:ext cx="10189282" cy="2258680"/>
+          </a:xfrm>
+        </p:spPr>
+        <p:txBody>
+          <a:bodyPr/>
+          <a:lstStyle/>
+          <a:p>
+            <a:pPr>
+              <a:lnSpc>
+                <a:spcPct val="200000"/>
+              </a:lnSpc>
+              <a:defRPr/>
+            </a:pPr>
+            <a:r>
+              <a:rPr lang="en-US" altLang="en-US" sz="2400" dirty="0"/>
+              <a:t>Distributed System Architecture</a:t>
+            </a:r>
+          </a:p>
+          <a:p>
+            <a:pPr>
+              <a:lnSpc>
+                <a:spcPct val="150000"/>
+              </a:lnSpc>
+              <a:defRPr/>
+            </a:pPr>
+            <a:r>
+              <a:rPr lang="en-US" altLang="en-US" sz="2400" dirty="0"/>
+              <a:t>Configuration</a:t>
+            </a:r>
+          </a:p>
+          <a:p>
+            <a:pPr lvl="1">
+              <a:lnSpc>
+                <a:spcPct val="150000"/>
+              </a:lnSpc>
+              <a:defRPr/>
+            </a:pPr>
+            <a:r>
+              <a:rPr lang="en-US" altLang="en-US" sz="1600" dirty="0"/>
+              <a:t>Load balancer</a:t>
+            </a:r>
+          </a:p>
+          <a:p>
+            <a:pPr lvl="1">
+              <a:lnSpc>
+                <a:spcPct val="150000"/>
+              </a:lnSpc>
+              <a:defRPr/>
+            </a:pPr>
+            <a:r>
+              <a:rPr lang="en-US" altLang="en-US" sz="1600" dirty="0"/>
+              <a:t>Cache Server</a:t>
+            </a:r>
+          </a:p>
+          <a:p>
+            <a:pPr lvl="1">
+              <a:lnSpc>
+                <a:spcPct val="150000"/>
+              </a:lnSpc>
+              <a:defRPr/>
+            </a:pPr>
+            <a:r>
+              <a:rPr lang="en-US" altLang="en-US" sz="1600" dirty="0"/>
+              <a:t>Database Replication</a:t>
+            </a:r>
+          </a:p>
+          <a:p>
+            <a:pPr lvl="1">
+              <a:lnSpc>
+                <a:spcPct val="150000"/>
+              </a:lnSpc>
+              <a:defRPr/>
+            </a:pPr>
+            <a:endParaRPr lang="en-US" altLang="en-US" sz="1600" dirty="0"/>
+          </a:p>
+          <a:p>
+            <a:pPr>
+              <a:defRPr/>
+            </a:pPr>
+            <a:r>
+              <a:rPr lang="en-US" altLang="en-US" sz="2400" dirty="0"/>
+              <a:t>Deployment in Distributed Environments</a:t>
+            </a:r>
+          </a:p>
+          <a:p>
+            <a:pPr lvl="1">
+              <a:lnSpc>
+                <a:spcPct val="150000"/>
+              </a:lnSpc>
+              <a:defRPr/>
+            </a:pPr>
+            <a:r>
+              <a:rPr lang="en-US" altLang="en-US" sz="1600" dirty="0"/>
+              <a:t>Requirements</a:t>
+            </a:r>
+          </a:p>
+          <a:p>
+            <a:pPr lvl="1">
+              <a:lnSpc>
+                <a:spcPct val="150000"/>
+              </a:lnSpc>
+              <a:defRPr/>
+            </a:pPr>
+            <a:r>
+              <a:rPr lang="en-US" altLang="en-US" sz="1600" dirty="0"/>
+              <a:t>Challenges</a:t>
+            </a:r>
+          </a:p>
+          <a:p>
+            <a:pPr>
+              <a:lnSpc>
+                <a:spcPct val="200000"/>
+              </a:lnSpc>
+              <a:defRPr/>
+            </a:pPr>
+            <a:r>
+              <a:rPr lang="en-US" altLang="en-US" sz="2400" dirty="0"/>
+              <a:t>Benefits of Distributed System</a:t>
+            </a:r>
+          </a:p>
+          <a:p>
+            <a:pPr lvl="1">
+              <a:lnSpc>
+                <a:spcPct val="110000"/>
+              </a:lnSpc>
+              <a:buNone/>
+              <a:defRPr/>
+            </a:pPr>
+            <a:endParaRPr lang="en-US" altLang="en-US" sz="2000" dirty="0"/>
+          </a:p>
+          <a:p>
+            <a:pPr>
+              <a:defRPr/>
+            </a:pPr>
+            <a:endParaRPr lang="en-US" altLang="en-US" sz="2400" dirty="0"/>
           </a:p>
         </p:txBody>
       </p:sp>
     </p:spTree>
     <p:extLst>
       <p:ext uri="{BB962C8B-B14F-4D97-AF65-F5344CB8AC3E}">
-        <p14:creationId xmlns:p14="http://schemas.microsoft.com/office/powerpoint/2010/main" val="3980988442"/>
+        <p14:creationId xmlns:p14="http://schemas.microsoft.com/office/powerpoint/2010/main" val="3671265436"/>
       </p:ext>
     </p:extLst>
   </p:cSld>
@@ -4333,8 +4488,12 @@
           <a:lstStyle/>
           <a:p>
             <a:r>
+              <a:rPr lang="en-US" altLang="en-US" b="1" dirty="0" err="1"/>
+              <a:t>SyneMobiSafe</a:t>
+            </a:r>
+            <a:r>
               <a:rPr lang="en-US" altLang="en-US" b="1" dirty="0"/>
-              <a:t>SyneMobile Modules</a:t>
+              <a:t> Guidelines</a:t>
             </a:r>
             <a:endParaRPr lang="en-US" dirty="0"/>
           </a:p>
@@ -4385,123 +4544,82 @@
           <a:lstStyle/>
           <a:p>
             <a:pPr>
-              <a:buFont typeface="Arial" charset="0"/>
-              <a:buChar char="•"/>
-              <a:defRPr/>
-            </a:pPr>
-            <a:r>
-              <a:rPr lang="en-US" sz="2400" dirty="0"/>
-              <a:t>Cloud Data Backup Module</a:t>
-            </a:r>
-          </a:p>
-          <a:p>
-            <a:pPr lvl="1">
-              <a:lnSpc>
-                <a:spcPct val="150000"/>
-              </a:lnSpc>
-              <a:defRPr/>
-            </a:pPr>
-            <a:r>
-              <a:rPr lang="en-US" sz="1600" dirty="0"/>
-              <a:t>Importance of Cloud services</a:t>
-            </a:r>
-          </a:p>
-          <a:p>
-            <a:pPr lvl="1">
-              <a:lnSpc>
-                <a:spcPct val="150000"/>
-              </a:lnSpc>
-              <a:defRPr/>
-            </a:pPr>
-            <a:r>
-              <a:rPr lang="en-US" sz="1600" dirty="0"/>
-              <a:t>Algorithm used for auto backup </a:t>
-            </a:r>
-          </a:p>
-          <a:p>
-            <a:pPr lvl="1">
-              <a:lnSpc>
-                <a:spcPct val="150000"/>
-              </a:lnSpc>
-              <a:defRPr/>
-            </a:pPr>
-            <a:r>
-              <a:rPr lang="en-US" sz="1600" dirty="0"/>
-              <a:t>Secured and encrypted stream usage for data backup</a:t>
-            </a:r>
-          </a:p>
-          <a:p>
-            <a:pPr lvl="1">
-              <a:lnSpc>
-                <a:spcPct val="150000"/>
-              </a:lnSpc>
-              <a:defRPr/>
-            </a:pPr>
-            <a:r>
-              <a:rPr lang="en-US" sz="1600" dirty="0"/>
-              <a:t>User Configuration options</a:t>
-            </a:r>
-          </a:p>
-          <a:p>
-            <a:pPr lvl="1">
-              <a:lnSpc>
-                <a:spcPct val="110000"/>
-              </a:lnSpc>
-              <a:buNone/>
-              <a:defRPr/>
-            </a:pPr>
-            <a:endParaRPr lang="en-US" altLang="en-US" sz="2000" dirty="0"/>
+              <a:lnSpc>
+                <a:spcPct val="200000"/>
+              </a:lnSpc>
+              <a:defRPr/>
+            </a:pPr>
+            <a:r>
+              <a:rPr lang="en-US" altLang="en-US" sz="2400" dirty="0"/>
+              <a:t>Template Code Generation for Common Functionalities</a:t>
+            </a:r>
           </a:p>
           <a:p>
             <a:pPr>
-              <a:buFont typeface="Arial" charset="0"/>
-              <a:buChar char="•"/>
-              <a:defRPr/>
-            </a:pPr>
-            <a:r>
-              <a:rPr lang="en-US" sz="2400" dirty="0"/>
-              <a:t>Device Recovery Module</a:t>
-            </a:r>
-          </a:p>
-          <a:p>
-            <a:pPr lvl="1">
-              <a:lnSpc>
-                <a:spcPct val="150000"/>
-              </a:lnSpc>
-              <a:defRPr/>
-            </a:pPr>
-            <a:r>
-              <a:rPr lang="en-US" altLang="en-US" sz="1600" dirty="0"/>
-              <a:t>Why device recovery is necessary</a:t>
-            </a:r>
-          </a:p>
-          <a:p>
-            <a:pPr lvl="1">
-              <a:lnSpc>
-                <a:spcPct val="150000"/>
-              </a:lnSpc>
-              <a:defRPr/>
-            </a:pPr>
-            <a:r>
-              <a:rPr lang="en-US" altLang="en-US" sz="1600" dirty="0"/>
-              <a:t>Functions and services provided under the module.</a:t>
-            </a:r>
-          </a:p>
-          <a:p>
-            <a:pPr lvl="1">
-              <a:lnSpc>
-                <a:spcPct val="150000"/>
-              </a:lnSpc>
-              <a:defRPr/>
-            </a:pPr>
-            <a:endParaRPr lang="en-US" altLang="en-US" sz="1600" dirty="0"/>
+              <a:lnSpc>
+                <a:spcPct val="200000"/>
+              </a:lnSpc>
+              <a:defRPr/>
+            </a:pPr>
+            <a:r>
+              <a:rPr lang="en-US" altLang="en-US" sz="2400" dirty="0"/>
+              <a:t>Encourages user to develop application as per best practices</a:t>
+            </a:r>
+          </a:p>
+          <a:p>
+            <a:pPr>
+              <a:lnSpc>
+                <a:spcPct val="200000"/>
+              </a:lnSpc>
+              <a:defRPr/>
+            </a:pPr>
+            <a:r>
+              <a:rPr lang="en-US" altLang="en-US" sz="2400" dirty="0"/>
+              <a:t>Important factors to achieve application responsiveness </a:t>
+            </a:r>
+          </a:p>
+          <a:p>
+            <a:pPr>
+              <a:lnSpc>
+                <a:spcPct val="200000"/>
+              </a:lnSpc>
+              <a:defRPr/>
+            </a:pPr>
+            <a:r>
+              <a:rPr lang="en-US" altLang="en-US" sz="2400" dirty="0"/>
+              <a:t>Code reusability</a:t>
+            </a:r>
+          </a:p>
+          <a:p>
+            <a:pPr>
+              <a:lnSpc>
+                <a:spcPct val="200000"/>
+              </a:lnSpc>
+              <a:defRPr/>
+            </a:pPr>
+            <a:r>
+              <a:rPr lang="en-US" altLang="en-US" sz="2400" dirty="0"/>
+              <a:t>Follow naming convention</a:t>
+            </a:r>
+          </a:p>
+          <a:p>
+            <a:pPr>
+              <a:lnSpc>
+                <a:spcPct val="200000"/>
+              </a:lnSpc>
+              <a:defRPr/>
+            </a:pPr>
+            <a:r>
+              <a:rPr lang="en-US" altLang="en-US" sz="2400" dirty="0"/>
+              <a:t>Unit Test Cases Support</a:t>
+            </a:r>
           </a:p>
         </p:txBody>
       </p:sp>
     </p:spTree>
     <p:extLst>
       <p:ext uri="{BB962C8B-B14F-4D97-AF65-F5344CB8AC3E}">
-        <p14:creationId xmlns:p14="http://schemas.microsoft.com/office/powerpoint/2010/main" val="2589858331"/>
+        <p14:creationId xmlns:p14="http://schemas.microsoft.com/office/powerpoint/2010/main" val="3568414079"/>
       </p:ext>
     </p:extLst>
   </p:cSld>
@@ -4530,155 +4648,27 @@
       </p:grpSpPr>
       <p:sp>
         <p:nvSpPr>
-          <p:cNvPr id="14" name="Content Placeholder 1"/>
-          <p:cNvSpPr>
-            <a:spLocks noGrp="1"/>
-          </p:cNvSpPr>
-          <p:nvPr>
-            <p:ph sz="quarter" idx="10"/>
-          </p:nvPr>
-        </p:nvSpPr>
-        <p:spPr/>
+          <p:cNvPr id="3" name="Title 2"/>
+          <p:cNvSpPr>
+            <a:spLocks noGrp="1"/>
+          </p:cNvSpPr>
+          <p:nvPr>
+            <p:ph type="title"/>
+          </p:nvPr>
+        </p:nvSpPr>
+        <p:spPr>
+          <a:xfrm>
+            <a:off x="0" y="2733415"/>
+            <a:ext cx="12192000" cy="873418"/>
+          </a:xfrm>
+        </p:spPr>
         <p:txBody>
           <a:bodyPr/>
           <a:lstStyle/>
           <a:p>
             <a:r>
-              <a:rPr lang="en-US" altLang="en-US" b="1" dirty="0"/>
-              <a:t>SyneMobile Modules</a:t>
-            </a:r>
-            <a:endParaRPr lang="en-US" dirty="0"/>
-          </a:p>
-        </p:txBody>
-      </p:sp>
-      <p:sp>
-        <p:nvSpPr>
-          <p:cNvPr id="4" name="Slide Number Placeholder 3"/>
-          <p:cNvSpPr>
-            <a:spLocks noGrp="1"/>
-          </p:cNvSpPr>
-          <p:nvPr>
-            <p:ph type="sldNum" sz="quarter" idx="4"/>
-          </p:nvPr>
-        </p:nvSpPr>
-        <p:spPr/>
-        <p:txBody>
-          <a:bodyPr/>
-          <a:lstStyle/>
-          <a:p>
-            <a:fld id="{7591F48A-A635-4EA2-8E7E-325C9425C81C}" type="slidenum">
-              <a:rPr lang="en-US" smtClean="0"/>
-              <a:pPr/>
-              <a:t>17</a:t>
-            </a:fld>
-            <a:endParaRPr lang="en-US" dirty="0"/>
-          </a:p>
-        </p:txBody>
-      </p:sp>
-      <p:sp>
-        <p:nvSpPr>
-          <p:cNvPr id="2" name="Text Placeholder 1"/>
-          <p:cNvSpPr>
-            <a:spLocks noGrp="1"/>
-          </p:cNvSpPr>
-          <p:nvPr>
-            <p:ph type="body" sz="quarter" idx="12"/>
-          </p:nvPr>
-        </p:nvSpPr>
-        <p:spPr>
-          <a:xfrm>
-            <a:off x="1572737" y="1108345"/>
-            <a:ext cx="10189282" cy="2258680"/>
-          </a:xfrm>
-        </p:spPr>
-        <p:txBody>
-          <a:bodyPr/>
-          <a:lstStyle/>
-          <a:p>
-            <a:r>
-              <a:rPr lang="en-US" altLang="en-US" sz="2400" dirty="0"/>
-              <a:t>Device Protection and Security Module</a:t>
-            </a:r>
-          </a:p>
-          <a:p>
-            <a:pPr lvl="1">
-              <a:lnSpc>
-                <a:spcPct val="150000"/>
-              </a:lnSpc>
-              <a:defRPr/>
-            </a:pPr>
-            <a:r>
-              <a:rPr lang="en-US" altLang="en-US" sz="1600" dirty="0"/>
-              <a:t>Advantages of the module</a:t>
-            </a:r>
-          </a:p>
-          <a:p>
-            <a:pPr lvl="1">
-              <a:lnSpc>
-                <a:spcPct val="150000"/>
-              </a:lnSpc>
-              <a:defRPr/>
-            </a:pPr>
-            <a:r>
-              <a:rPr lang="en-US" altLang="en-US" sz="1600" dirty="0"/>
-              <a:t>Risk management against vulnerabilities</a:t>
-            </a:r>
-          </a:p>
-          <a:p>
-            <a:pPr lvl="1">
-              <a:lnSpc>
-                <a:spcPct val="150000"/>
-              </a:lnSpc>
-              <a:defRPr/>
-            </a:pPr>
-            <a:r>
-              <a:rPr lang="en-US" altLang="en-US" sz="1600" dirty="0"/>
-              <a:t>Security measures and criteria</a:t>
-            </a:r>
-          </a:p>
-          <a:p>
-            <a:pPr lvl="1">
-              <a:lnSpc>
-                <a:spcPct val="150000"/>
-              </a:lnSpc>
-              <a:defRPr/>
-            </a:pPr>
-            <a:r>
-              <a:rPr lang="en-US" altLang="en-US" sz="1600" dirty="0"/>
-              <a:t>Other services</a:t>
-            </a:r>
-          </a:p>
-          <a:p>
-            <a:endParaRPr lang="en-US" altLang="en-US" sz="2400" dirty="0"/>
-          </a:p>
-          <a:p>
-            <a:r>
-              <a:rPr lang="en-US" altLang="en-US" sz="2400" dirty="0"/>
-              <a:t>Device Health Monitoring Module</a:t>
-            </a:r>
-          </a:p>
-          <a:p>
-            <a:pPr lvl="1">
-              <a:lnSpc>
-                <a:spcPct val="150000"/>
-              </a:lnSpc>
-              <a:defRPr/>
-            </a:pPr>
-            <a:r>
-              <a:rPr lang="en-US" altLang="en-US" sz="1600" dirty="0"/>
-              <a:t>Benefits of the module</a:t>
-            </a:r>
-          </a:p>
-          <a:p>
-            <a:pPr lvl="1">
-              <a:lnSpc>
-                <a:spcPct val="150000"/>
-              </a:lnSpc>
-              <a:defRPr/>
-            </a:pPr>
-            <a:r>
-              <a:rPr lang="en-US" altLang="en-US" sz="1600" dirty="0"/>
-              <a:t>Algorithm Implementation for device performance</a:t>
+              <a:rPr lang="en-US" altLang="en-US" dirty="0"/>
+              <a:t>Configuration and Troubleshooting</a:t>
             </a:r>
           </a:p>
         </p:txBody>
@@ -4686,7 +4676,7 @@
     </p:spTree>
     <p:extLst>
       <p:ext uri="{BB962C8B-B14F-4D97-AF65-F5344CB8AC3E}">
-        <p14:creationId xmlns:p14="http://schemas.microsoft.com/office/powerpoint/2010/main" val="73651082"/>
+        <p14:creationId xmlns:p14="http://schemas.microsoft.com/office/powerpoint/2010/main" val="3567720219"/>
       </p:ext>
     </p:extLst>
   </p:cSld>
@@ -4729,8 +4719,12 @@
           <a:lstStyle/>
           <a:p>
             <a:r>
+              <a:rPr lang="en-US" altLang="en-US" b="1" dirty="0" err="1"/>
+              <a:t>SyneMobiSafe</a:t>
+            </a:r>
+            <a:r>
               <a:rPr lang="en-US" altLang="en-US" b="1" dirty="0"/>
-              <a:t>SyneMobile Modules</a:t>
+              <a:t> Configuration</a:t>
             </a:r>
             <a:endParaRPr lang="en-US" dirty="0"/>
           </a:p>
@@ -4780,9 +4774,15 @@
           <a:bodyPr/>
           <a:lstStyle/>
           <a:p>
+            <a:pPr>
+              <a:lnSpc>
+                <a:spcPct val="200000"/>
+              </a:lnSpc>
+              <a:defRPr/>
+            </a:pPr>
             <a:r>
               <a:rPr lang="en-US" altLang="en-US" sz="2400" dirty="0"/>
-              <a:t>Advance Tech Support and Live Chat Module</a:t>
+              <a:t>Configuration Options</a:t>
             </a:r>
           </a:p>
           <a:p>
@@ -4794,7 +4794,7 @@
             </a:pPr>
             <a:r>
               <a:rPr lang="en-US" altLang="en-US" sz="1600" dirty="0"/>
-              <a:t>Overview and implementation of the module</a:t>
+              <a:t>Database Level Configuration </a:t>
             </a:r>
           </a:p>
           <a:p>
@@ -4806,7 +4806,7 @@
             </a:pPr>
             <a:r>
               <a:rPr lang="en-US" altLang="en-US" sz="1600" dirty="0"/>
-              <a:t>End to end support process</a:t>
+              <a:t>Build process configuration to deploy over Dev and QA environments</a:t>
             </a:r>
           </a:p>
           <a:p>
@@ -4818,7 +4818,7 @@
             </a:pPr>
             <a:r>
               <a:rPr lang="en-US" altLang="en-US" sz="1600" dirty="0"/>
-              <a:t>Categorized support options</a:t>
+              <a:t>App server configuration</a:t>
             </a:r>
           </a:p>
           <a:p>
@@ -4830,7 +4830,7 @@
             </a:pPr>
             <a:r>
               <a:rPr lang="en-US" altLang="en-US" sz="1600" dirty="0"/>
-              <a:t>Live Chat features and options</a:t>
+              <a:t>Pre-requisites before deployment over production environment</a:t>
             </a:r>
           </a:p>
           <a:p>
@@ -4840,13 +4840,23 @@
               </a:lnSpc>
               <a:defRPr/>
             </a:pPr>
-            <a:endParaRPr lang="en-US" altLang="en-US" sz="1600" dirty="0"/>
-          </a:p>
-          <a:p>
+            <a:r>
+              <a:rPr lang="en-US" altLang="en-US" sz="1600" dirty="0"/>
+              <a:t>Setup and customize tools for automated build process</a:t>
+            </a:r>
+          </a:p>
+          <a:p>
+            <a:pPr>
+              <a:lnSpc>
+                <a:spcPct val="200000"/>
+              </a:lnSpc>
+              <a:defRPr/>
+            </a:pPr>
             <a:r>
               <a:rPr lang="en-US" altLang="en-US" sz="2400" dirty="0"/>
-              <a:t>Telemetry and Data Analysis Module</a:t>
-            </a:r>
+              <a:t>Application Static and Dynamic Configuration</a:t>
+            </a:r>
+            <a:endParaRPr lang="en-US" altLang="en-US" sz="2000" dirty="0"/>
           </a:p>
           <a:p>
             <a:pPr lvl="1">
@@ -4856,8 +4866,8 @@
               <a:defRPr/>
             </a:pPr>
             <a:r>
-              <a:rPr lang="en-US" sz="1600" dirty="0"/>
-              <a:t>Importance of Effective Data Analysis </a:t>
+              <a:rPr lang="en-US" altLang="en-US" sz="1600" dirty="0"/>
+              <a:t>Static configuration which cannot be changed at run-time (e.g. DB configuration)</a:t>
             </a:r>
           </a:p>
           <a:p>
@@ -4868,49 +4878,16 @@
               <a:defRPr/>
             </a:pPr>
             <a:r>
-              <a:rPr lang="en-US" sz="1600" dirty="0"/>
-              <a:t>Measuring real time user experience</a:t>
-            </a:r>
-          </a:p>
-          <a:p>
-            <a:pPr lvl="1">
-              <a:lnSpc>
-                <a:spcPct val="150000"/>
-              </a:lnSpc>
-              <a:defRPr/>
-            </a:pPr>
-            <a:r>
-              <a:rPr lang="en-US" sz="1600" dirty="0"/>
-              <a:t>Personalized Engagement</a:t>
-            </a:r>
-          </a:p>
-          <a:p>
-            <a:pPr lvl="1">
-              <a:lnSpc>
-                <a:spcPct val="150000"/>
-              </a:lnSpc>
-              <a:defRPr/>
-            </a:pPr>
-            <a:r>
-              <a:rPr lang="en-US" sz="1600" dirty="0"/>
-              <a:t>User Configurable options for report generation</a:t>
-            </a:r>
-          </a:p>
-          <a:p>
-            <a:pPr lvl="1">
-              <a:lnSpc>
-                <a:spcPct val="150000"/>
-              </a:lnSpc>
-              <a:defRPr/>
-            </a:pPr>
-            <a:endParaRPr lang="en-US" altLang="en-US" sz="1600" dirty="0"/>
+              <a:rPr lang="en-US" altLang="en-US" sz="1600" dirty="0"/>
+              <a:t>Dynamic configuration which can be changed at run-time without restarting the application (e.g. log level)</a:t>
+            </a:r>
           </a:p>
         </p:txBody>
       </p:sp>
     </p:spTree>
     <p:extLst>
       <p:ext uri="{BB962C8B-B14F-4D97-AF65-F5344CB8AC3E}">
-        <p14:creationId xmlns:p14="http://schemas.microsoft.com/office/powerpoint/2010/main" val="740182162"/>
+        <p14:creationId xmlns:p14="http://schemas.microsoft.com/office/powerpoint/2010/main" val="2627885345"/>
       </p:ext>
     </p:extLst>
   </p:cSld>
@@ -4953,8 +4930,12 @@
           <a:lstStyle/>
           <a:p>
             <a:r>
+              <a:rPr lang="en-US" altLang="en-US" b="1" dirty="0" err="1"/>
+              <a:t>SyneMobiSafe</a:t>
+            </a:r>
+            <a:r>
               <a:rPr lang="en-US" altLang="en-US" b="1" dirty="0"/>
-              <a:t>SyneMobile Modules</a:t>
+              <a:t> Trouble Shooting</a:t>
             </a:r>
             <a:endParaRPr lang="en-US" dirty="0"/>
           </a:p>
@@ -5004,10 +4985,16 @@
           <a:bodyPr/>
           <a:lstStyle/>
           <a:p>
+            <a:pPr>
+              <a:lnSpc>
+                <a:spcPct val="200000"/>
+              </a:lnSpc>
+            </a:pPr>
             <a:r>
               <a:rPr lang="en-US" altLang="en-US" sz="2400" dirty="0"/>
-              <a:t>KIA Module</a:t>
-            </a:r>
+              <a:t>Logging </a:t>
+            </a:r>
+            <a:endParaRPr lang="en-US" altLang="en-US" sz="1600" dirty="0"/>
           </a:p>
           <a:p>
             <a:pPr lvl="1">
@@ -5018,7 +5005,7 @@
             </a:pPr>
             <a:r>
               <a:rPr lang="en-US" altLang="en-US" sz="1600" dirty="0"/>
-              <a:t>Knowledge based module</a:t>
+              <a:t>Enable/disable logging</a:t>
             </a:r>
           </a:p>
           <a:p>
@@ -5030,7 +5017,7 @@
             </a:pPr>
             <a:r>
               <a:rPr lang="en-US" altLang="en-US" sz="1600" dirty="0"/>
-              <a:t>Value added feature</a:t>
+              <a:t>Log Monitoring and Analysis</a:t>
             </a:r>
           </a:p>
           <a:p>
@@ -5042,8 +5029,20 @@
             </a:pPr>
             <a:r>
               <a:rPr lang="en-US" altLang="en-US" sz="1600" dirty="0"/>
-              <a:t>Search functionality</a:t>
-            </a:r>
+              <a:t>Log deletion, rolling and archiving options</a:t>
+            </a:r>
+          </a:p>
+          <a:p>
+            <a:pPr>
+              <a:lnSpc>
+                <a:spcPct val="200000"/>
+              </a:lnSpc>
+            </a:pPr>
+            <a:r>
+              <a:rPr lang="en-US" altLang="en-US" sz="2400" dirty="0"/>
+              <a:t>Application Error Codes</a:t>
+            </a:r>
+            <a:endParaRPr lang="en-US" altLang="en-US" sz="2000" dirty="0"/>
           </a:p>
           <a:p>
             <a:pPr lvl="1">
@@ -5054,7 +5053,7 @@
             </a:pPr>
             <a:r>
               <a:rPr lang="en-US" altLang="en-US" sz="1600" dirty="0"/>
-              <a:t>Implementation and algorithm used</a:t>
+              <a:t>Error Codes, Description and Resolution</a:t>
             </a:r>
           </a:p>
           <a:p>
@@ -5064,7 +5063,34 @@
               </a:lnSpc>
               <a:defRPr/>
             </a:pPr>
-            <a:endParaRPr lang="en-US" altLang="en-US" sz="1600" dirty="0"/>
+            <a:r>
+              <a:rPr lang="en-US" altLang="en-US" sz="1600" dirty="0"/>
+              <a:t>Steps to identify and trouble shoot common issues</a:t>
+            </a:r>
+          </a:p>
+          <a:p>
+            <a:pPr>
+              <a:lnSpc>
+                <a:spcPct val="200000"/>
+              </a:lnSpc>
+            </a:pPr>
+            <a:r>
+              <a:rPr lang="en-US" altLang="en-US" sz="2400" dirty="0"/>
+              <a:t>Debugging</a:t>
+            </a:r>
+            <a:endParaRPr lang="en-US" altLang="en-US" sz="2000" dirty="0"/>
+          </a:p>
+          <a:p>
+            <a:pPr lvl="1">
+              <a:lnSpc>
+                <a:spcPct val="150000"/>
+              </a:lnSpc>
+              <a:defRPr/>
+            </a:pPr>
+            <a:r>
+              <a:rPr lang="en-US" altLang="en-US" sz="1600" dirty="0"/>
+              <a:t>Debug process; attaching to debugger process; adding breakpoints and execution</a:t>
+            </a:r>
           </a:p>
           <a:p>
             <a:pPr lvl="1">
@@ -5080,7 +5106,7 @@
     </p:spTree>
     <p:extLst>
       <p:ext uri="{BB962C8B-B14F-4D97-AF65-F5344CB8AC3E}">
-        <p14:creationId xmlns:p14="http://schemas.microsoft.com/office/powerpoint/2010/main" val="568779040"/>
+        <p14:creationId xmlns:p14="http://schemas.microsoft.com/office/powerpoint/2010/main" val="1384741718"/>
       </p:ext>
     </p:extLst>
   </p:cSld>
@@ -5128,8 +5154,12 @@
           <a:lstStyle/>
           <a:p>
             <a:r>
+              <a:rPr lang="en-US" altLang="en-US" dirty="0" err="1"/>
+              <a:t>SyneMobiSafe</a:t>
+            </a:r>
+            <a:r>
               <a:rPr lang="en-US" altLang="en-US" dirty="0"/>
-              <a:t>SyneMobile</a:t>
+              <a:t> Overview</a:t>
             </a:r>
           </a:p>
         </p:txBody>
@@ -5174,174 +5204,6 @@
             <p:ph type="title"/>
           </p:nvPr>
         </p:nvSpPr>
-        <p:spPr>
-          <a:xfrm>
-            <a:off x="0" y="2733415"/>
-            <a:ext cx="12192000" cy="873418"/>
-          </a:xfrm>
-        </p:spPr>
-        <p:txBody>
-          <a:bodyPr/>
-          <a:lstStyle/>
-          <a:p>
-            <a:r>
-              <a:rPr lang="en-US" altLang="en-US" dirty="0"/>
-              <a:t>Integration &amp; Delivery</a:t>
-            </a:r>
-          </a:p>
-        </p:txBody>
-      </p:sp>
-    </p:spTree>
-    <p:extLst>
-      <p:ext uri="{BB962C8B-B14F-4D97-AF65-F5344CB8AC3E}">
-        <p14:creationId xmlns:p14="http://schemas.microsoft.com/office/powerpoint/2010/main" val="3343142050"/>
-      </p:ext>
-    </p:extLst>
-  </p:cSld>
-  <p:clrMapOvr>
-    <a:masterClrMapping/>
-  </p:clrMapOvr>
-</p:sld>
-</file>
-
-<file path=ppt/slides/slide21.xml><?xml version="1.0" encoding="utf-8"?>
-<p:sld xmlns:a="http://schemas.openxmlformats.org/drawingml/2006/main" xmlns:r="http://schemas.openxmlformats.org/officeDocument/2006/relationships" xmlns:p="http://schemas.openxmlformats.org/presentationml/2006/main">
-  <p:cSld>
-    <p:spTree>
-      <p:nvGrpSpPr>
-        <p:cNvPr id="1" name=""/>
-        <p:cNvGrpSpPr/>
-        <p:nvPr/>
-      </p:nvGrpSpPr>
-      <p:grpSpPr>
-        <a:xfrm>
-          <a:off x="0" y="0"/>
-          <a:ext cx="0" cy="0"/>
-          <a:chOff x="0" y="0"/>
-          <a:chExt cx="0" cy="0"/>
-        </a:xfrm>
-      </p:grpSpPr>
-      <p:sp>
-        <p:nvSpPr>
-          <p:cNvPr id="14" name="Content Placeholder 1"/>
-          <p:cNvSpPr>
-            <a:spLocks noGrp="1"/>
-          </p:cNvSpPr>
-          <p:nvPr>
-            <p:ph sz="quarter" idx="10"/>
-          </p:nvPr>
-        </p:nvSpPr>
-        <p:spPr>
-          <a:xfrm>
-            <a:off x="529200" y="199888"/>
-            <a:ext cx="7102523" cy="418678"/>
-          </a:xfrm>
-        </p:spPr>
-        <p:txBody>
-          <a:bodyPr/>
-          <a:lstStyle/>
-          <a:p>
-            <a:r>
-              <a:rPr lang="en-US" dirty="0"/>
-              <a:t>How Integration and Delivery works?</a:t>
-            </a:r>
-          </a:p>
-        </p:txBody>
-      </p:sp>
-      <p:sp>
-        <p:nvSpPr>
-          <p:cNvPr id="4" name="Slide Number Placeholder 3"/>
-          <p:cNvSpPr>
-            <a:spLocks noGrp="1"/>
-          </p:cNvSpPr>
-          <p:nvPr>
-            <p:ph type="sldNum" sz="quarter" idx="4"/>
-          </p:nvPr>
-        </p:nvSpPr>
-        <p:spPr/>
-        <p:txBody>
-          <a:bodyPr/>
-          <a:lstStyle/>
-          <a:p>
-            <a:fld id="{7591F48A-A635-4EA2-8E7E-325C9425C81C}" type="slidenum">
-              <a:rPr lang="en-US" smtClean="0"/>
-              <a:pPr/>
-              <a:t>21</a:t>
-            </a:fld>
-            <a:endParaRPr lang="en-US" dirty="0"/>
-          </a:p>
-        </p:txBody>
-      </p:sp>
-      <p:sp>
-        <p:nvSpPr>
-          <p:cNvPr id="2" name="Rectangle 1"/>
-          <p:cNvSpPr/>
-          <p:nvPr/>
-        </p:nvSpPr>
-        <p:spPr>
-          <a:xfrm>
-            <a:off x="3589310" y="3118126"/>
-            <a:ext cx="3699539" cy="369332"/>
-          </a:xfrm>
-          <a:prstGeom prst="rect">
-            <a:avLst/>
-          </a:prstGeom>
-        </p:spPr>
-        <p:txBody>
-          <a:bodyPr wrap="none">
-            <a:spAutoFit/>
-          </a:bodyPr>
-          <a:lstStyle/>
-          <a:p>
-            <a:r>
-              <a:rPr lang="en-US" dirty="0">
-                <a:latin typeface="Carnas" panose="02000503000000020004" pitchFamily="50" charset="0"/>
-              </a:rPr>
-              <a:t>Integration and Delivery diagrams </a:t>
-            </a:r>
-          </a:p>
-        </p:txBody>
-      </p:sp>
-    </p:spTree>
-    <p:extLst>
-      <p:ext uri="{BB962C8B-B14F-4D97-AF65-F5344CB8AC3E}">
-        <p14:creationId xmlns:p14="http://schemas.microsoft.com/office/powerpoint/2010/main" val="497801003"/>
-      </p:ext>
-    </p:extLst>
-  </p:cSld>
-  <p:clrMapOvr>
-    <a:masterClrMapping/>
-  </p:clrMapOvr>
-</p:sld>
-</file>
-
-<file path=ppt/slides/slide22.xml><?xml version="1.0" encoding="utf-8"?>
-<p:sld xmlns:a="http://schemas.openxmlformats.org/drawingml/2006/main" xmlns:r="http://schemas.openxmlformats.org/officeDocument/2006/relationships" xmlns:p="http://schemas.openxmlformats.org/presentationml/2006/main">
-  <p:cSld>
-    <p:spTree>
-      <p:nvGrpSpPr>
-        <p:cNvPr id="1" name=""/>
-        <p:cNvGrpSpPr/>
-        <p:nvPr/>
-      </p:nvGrpSpPr>
-      <p:grpSpPr>
-        <a:xfrm>
-          <a:off x="0" y="0"/>
-          <a:ext cx="0" cy="0"/>
-          <a:chOff x="0" y="0"/>
-          <a:chExt cx="0" cy="0"/>
-        </a:xfrm>
-      </p:grpSpPr>
-      <p:sp>
-        <p:nvSpPr>
-          <p:cNvPr id="3" name="Title 2"/>
-          <p:cNvSpPr>
-            <a:spLocks noGrp="1"/>
-          </p:cNvSpPr>
-          <p:nvPr>
-            <p:ph type="title"/>
-          </p:nvPr>
-        </p:nvSpPr>
         <p:spPr/>
         <p:txBody>
           <a:bodyPr/>
@@ -5401,7 +5263,11 @@
           <a:p>
             <a:r>
               <a:rPr lang="en-US" altLang="en-US" b="1" dirty="0"/>
-              <a:t>Introduction to SyneMobile</a:t>
+              <a:t>Introduction to </a:t>
+            </a:r>
+            <a:r>
+              <a:rPr lang="en-US" altLang="en-US" b="1" dirty="0" err="1"/>
+              <a:t>SyneMobiSafe</a:t>
             </a:r>
             <a:endParaRPr lang="en-US" dirty="0"/>
           </a:p>
@@ -5458,8 +5324,12 @@
               <a:defRPr/>
             </a:pPr>
             <a:r>
+              <a:rPr lang="en-US" altLang="en-US" sz="2400" dirty="0" err="1"/>
+              <a:t>SyneMobiSafe</a:t>
+            </a:r>
+            <a:r>
               <a:rPr lang="en-US" altLang="en-US" sz="2400" dirty="0"/>
-              <a:t>SyneMobile Overview</a:t>
+              <a:t> Overview</a:t>
             </a:r>
           </a:p>
           <a:p>
@@ -5470,7 +5340,15 @@
             </a:pPr>
             <a:r>
               <a:rPr lang="en-US" altLang="en-US" sz="1600" dirty="0"/>
-              <a:t>What is SyneMobile?</a:t>
+              <a:t>What is </a:t>
+            </a:r>
+            <a:r>
+              <a:rPr lang="en-US" altLang="en-US" sz="1600" dirty="0" err="1"/>
+              <a:t>SyneMobiSafe</a:t>
+            </a:r>
+            <a:r>
+              <a:rPr lang="en-US" altLang="en-US" sz="1600" dirty="0"/>
+              <a:t>?</a:t>
             </a:r>
           </a:p>
           <a:p>
@@ -5492,7 +5370,15 @@
             </a:pPr>
             <a:r>
               <a:rPr lang="en-US" altLang="en-US" sz="1600" dirty="0"/>
-              <a:t>Advantages of SyneMobile </a:t>
+              <a:t>Advantages of </a:t>
+            </a:r>
+            <a:r>
+              <a:rPr lang="en-US" altLang="en-US" sz="1600" dirty="0" err="1"/>
+              <a:t>SyneMobiSafe</a:t>
+            </a:r>
+            <a:r>
+              <a:rPr lang="en-US" altLang="en-US" sz="1600" dirty="0"/>
+              <a:t> </a:t>
             </a:r>
           </a:p>
           <a:p>
@@ -5503,7 +5389,15 @@
             </a:pPr>
             <a:r>
               <a:rPr lang="en-US" altLang="en-US" sz="1600" dirty="0"/>
-              <a:t>Benefits of SyneMobile implementation</a:t>
+              <a:t>Benefits of </a:t>
+            </a:r>
+            <a:r>
+              <a:rPr lang="en-US" altLang="en-US" sz="1600" dirty="0" err="1"/>
+              <a:t>SyneMobiSafe</a:t>
+            </a:r>
+            <a:r>
+              <a:rPr lang="en-US" altLang="en-US" sz="1600" dirty="0"/>
+              <a:t> implementation</a:t>
             </a:r>
             <a:endParaRPr lang="en-US" altLang="en-US" sz="2000" dirty="0"/>
           </a:p>
@@ -5515,8 +5409,12 @@
               <a:defRPr/>
             </a:pPr>
             <a:r>
+              <a:rPr lang="en-US" altLang="en-US" sz="2400" dirty="0" err="1"/>
+              <a:t>SyneMobiSafe</a:t>
+            </a:r>
+            <a:r>
               <a:rPr lang="en-US" altLang="en-US" sz="2400" dirty="0"/>
-              <a:t>SyneMobile Modules Overview</a:t>
+              <a:t> Modules Overview</a:t>
             </a:r>
           </a:p>
           <a:p>
@@ -5628,7 +5526,11 @@
           <a:p>
             <a:r>
               <a:rPr lang="en-US" altLang="en-US" b="1" dirty="0"/>
-              <a:t>Architecture Of SyneMobile</a:t>
+              <a:t>Architecture Of </a:t>
+            </a:r>
+            <a:r>
+              <a:rPr lang="en-US" altLang="en-US" b="1" dirty="0" err="1"/>
+              <a:t>SyneMobiSafe</a:t>
             </a:r>
             <a:endParaRPr lang="en-US" dirty="0"/>
           </a:p>
@@ -5786,7 +5688,11 @@
           <a:p>
             <a:r>
               <a:rPr lang="en-US" altLang="en-US" b="1" dirty="0"/>
-              <a:t>Layers In SyneMobile</a:t>
+              <a:t>Layers In </a:t>
+            </a:r>
+            <a:r>
+              <a:rPr lang="en-US" altLang="en-US" b="1" dirty="0" err="1"/>
+              <a:t>SyneMobiSafe</a:t>
             </a:r>
             <a:endParaRPr lang="en-US" dirty="0"/>
           </a:p>
@@ -5854,7 +5760,15 @@
             </a:pPr>
             <a:r>
               <a:rPr lang="en-US" altLang="en-US" sz="2400" dirty="0"/>
-              <a:t>Layers In SyneMobile Architecture</a:t>
+              <a:t>Layers In </a:t>
+            </a:r>
+            <a:r>
+              <a:rPr lang="en-US" altLang="en-US" sz="2400" dirty="0" err="1"/>
+              <a:t>SyneMobiSafe</a:t>
+            </a:r>
+            <a:r>
+              <a:rPr lang="en-US" altLang="en-US" sz="2400" dirty="0"/>
+              <a:t> Architecture</a:t>
             </a:r>
           </a:p>
           <a:p>
@@ -5887,15 +5801,7 @@
             </a:pPr>
             <a:r>
               <a:rPr lang="en-US" altLang="en-US" sz="1600" dirty="0"/>
-              <a:t>Presentation </a:t>
-            </a:r>
-            <a:r>
-              <a:rPr lang="en-US" altLang="en-US" sz="1600"/>
-              <a:t>layer (User </a:t>
-            </a:r>
-            <a:r>
-              <a:rPr lang="en-US" altLang="en-US" sz="1600" dirty="0"/>
-              <a:t>Interface)</a:t>
+              <a:t>Presentation layer (User Interface)</a:t>
             </a:r>
           </a:p>
           <a:p>
@@ -6026,7 +5932,11 @@
           <a:p>
             <a:r>
               <a:rPr lang="en-US" altLang="en-US" b="1" dirty="0"/>
-              <a:t>Layers In SyneMobile</a:t>
+              <a:t>Layers In </a:t>
+            </a:r>
+            <a:r>
+              <a:rPr lang="en-US" altLang="en-US" b="1" dirty="0" err="1"/>
+              <a:t>SyneMobiSafe</a:t>
             </a:r>
             <a:endParaRPr lang="en-US" dirty="0"/>
           </a:p>
@@ -6094,7 +6004,15 @@
             </a:pPr>
             <a:r>
               <a:rPr lang="en-US" altLang="en-US" sz="2400" dirty="0"/>
-              <a:t>Tiers In SyneMobile Architecture</a:t>
+              <a:t>Tiers In </a:t>
+            </a:r>
+            <a:r>
+              <a:rPr lang="en-US" altLang="en-US" sz="2400" dirty="0" err="1"/>
+              <a:t>SyneMobiSafe</a:t>
+            </a:r>
+            <a:r>
+              <a:rPr lang="en-US" altLang="en-US" sz="2400" dirty="0"/>
+              <a:t> Architecture</a:t>
             </a:r>
           </a:p>
           <a:p>
@@ -6116,7 +6034,15 @@
             </a:pPr>
             <a:r>
               <a:rPr lang="en-US" altLang="en-US" sz="1600" dirty="0"/>
-              <a:t>Web Tier (SyneMobile Web Portal running on Web Server)</a:t>
+              <a:t>Web Tier (</a:t>
+            </a:r>
+            <a:r>
+              <a:rPr lang="en-US" altLang="en-US" sz="1600" dirty="0" err="1"/>
+              <a:t>SyneMobiSafe</a:t>
+            </a:r>
+            <a:r>
+              <a:rPr lang="en-US" altLang="en-US" sz="1600" dirty="0"/>
+              <a:t> Web Portal running on Web Server)</a:t>
             </a:r>
           </a:p>
           <a:p>
@@ -6127,7 +6053,15 @@
             </a:pPr>
             <a:r>
               <a:rPr lang="en-US" altLang="en-US" sz="1600" dirty="0"/>
-              <a:t>App Tier (SyneMobile business logic code running on Application Server)</a:t>
+              <a:t>App Tier (</a:t>
+            </a:r>
+            <a:r>
+              <a:rPr lang="en-US" altLang="en-US" sz="1600" dirty="0" err="1"/>
+              <a:t>SyneMobiSafe</a:t>
+            </a:r>
+            <a:r>
+              <a:rPr lang="en-US" altLang="en-US" sz="1600" dirty="0"/>
+              <a:t> business logic code running on Application Server)</a:t>
             </a:r>
           </a:p>
           <a:p>
@@ -6138,7 +6072,15 @@
             </a:pPr>
             <a:r>
               <a:rPr lang="en-US" altLang="en-US" sz="1600" dirty="0"/>
-              <a:t>Database Tier (SyneMobile database)</a:t>
+              <a:t>Database Tier (</a:t>
+            </a:r>
+            <a:r>
+              <a:rPr lang="en-US" altLang="en-US" sz="1600" dirty="0" err="1"/>
+              <a:t>SyneMobiSafe</a:t>
+            </a:r>
+            <a:r>
+              <a:rPr lang="en-US" altLang="en-US" sz="1600" dirty="0"/>
+              <a:t> database)</a:t>
             </a:r>
           </a:p>
           <a:p>
@@ -6208,8 +6150,12 @@
           <a:lstStyle/>
           <a:p>
             <a:r>
+              <a:rPr lang="en-US" altLang="en-US" dirty="0" err="1"/>
+              <a:t>SyneMobiSafe</a:t>
+            </a:r>
+            <a:r>
               <a:rPr lang="en-US" altLang="en-US" dirty="0"/>
-              <a:t>Distributed System</a:t>
+              <a:t> Modules Overview</a:t>
             </a:r>
           </a:p>
         </p:txBody>
@@ -6217,7 +6163,7 @@
     </p:spTree>
     <p:extLst>
       <p:ext uri="{BB962C8B-B14F-4D97-AF65-F5344CB8AC3E}">
-        <p14:creationId xmlns:p14="http://schemas.microsoft.com/office/powerpoint/2010/main" val="542552310"/>
+        <p14:creationId xmlns:p14="http://schemas.microsoft.com/office/powerpoint/2010/main" val="3980988442"/>
       </p:ext>
     </p:extLst>
   </p:cSld>
